--- a/Mapa_navegacion.pptx
+++ b/Mapa_navegacion.pptx
@@ -6,6 +6,7 @@
   </p:sldMasterIdLst>
   <p:sldIdLst>
     <p:sldId id="256" r:id="rId2"/>
+    <p:sldId id="257" r:id="rId3"/>
   </p:sldIdLst>
   <p:sldSz cx="12192000" cy="6858000"/>
   <p:notesSz cx="6858000" cy="9144000"/>
@@ -104,6 +105,11 @@
       </a:defRPr>
     </a:lvl9pPr>
   </p:defaultTextStyle>
+  <p:extLst>
+    <p:ext uri="{EFAFB233-063F-42B5-8137-9DF3F51BA10A}">
+      <p15:sldGuideLst xmlns:p15="http://schemas.microsoft.com/office/powerpoint/2012/main"/>
+    </p:ext>
+  </p:extLst>
 </p:presentation>
 </file>
 
@@ -3335,7 +3341,7 @@
         </p:nvSpPr>
         <p:spPr>
           <a:xfrm>
-            <a:off x="4702628" y="354563"/>
+            <a:off x="4590661" y="2237793"/>
             <a:ext cx="1203649" cy="587829"/>
           </a:xfrm>
           <a:prstGeom prst="ellipse">
@@ -3392,7 +3398,7 @@
         </p:nvSpPr>
         <p:spPr>
           <a:xfrm>
-            <a:off x="1253412" y="1247191"/>
+            <a:off x="581607" y="3429000"/>
             <a:ext cx="1203649" cy="587829"/>
           </a:xfrm>
           <a:prstGeom prst="ellipse">
@@ -3430,7 +3436,7 @@
             <a:pPr algn="ctr"/>
             <a:r>
               <a:rPr lang="es-ES" dirty="0"/>
-              <a:t>LOGIN</a:t>
+              <a:t>ABOUT US</a:t>
             </a:r>
           </a:p>
         </p:txBody>
@@ -3449,7 +3455,7 @@
         </p:nvSpPr>
         <p:spPr>
           <a:xfrm>
-            <a:off x="8046098" y="382555"/>
+            <a:off x="6173758" y="4595326"/>
             <a:ext cx="1203649" cy="587829"/>
           </a:xfrm>
           <a:prstGeom prst="ellipse">
@@ -3487,7 +3493,7 @@
             <a:pPr algn="ctr"/>
             <a:r>
               <a:rPr lang="es-ES" dirty="0"/>
-              <a:t>INDEX</a:t>
+              <a:t>CART</a:t>
             </a:r>
           </a:p>
         </p:txBody>
@@ -3506,7 +3512,7 @@
         </p:nvSpPr>
         <p:spPr>
           <a:xfrm>
-            <a:off x="8647922" y="659363"/>
+            <a:off x="4590661" y="4595326"/>
             <a:ext cx="1203649" cy="587829"/>
           </a:xfrm>
           <a:prstGeom prst="ellipse">
@@ -3544,7 +3550,7 @@
             <a:pPr algn="ctr"/>
             <a:r>
               <a:rPr lang="es-ES" dirty="0"/>
-              <a:t>INDEX</a:t>
+              <a:t>LOGIN</a:t>
             </a:r>
           </a:p>
         </p:txBody>
@@ -3563,8 +3569,8 @@
         </p:nvSpPr>
         <p:spPr>
           <a:xfrm>
-            <a:off x="7392955" y="1247192"/>
-            <a:ext cx="1203649" cy="587829"/>
+            <a:off x="2387080" y="3429001"/>
+            <a:ext cx="1561322" cy="587828"/>
           </a:xfrm>
           <a:prstGeom prst="ellipse">
             <a:avLst/>
@@ -3601,15 +3607,925 @@
             <a:pPr algn="ctr"/>
             <a:r>
               <a:rPr lang="es-ES" dirty="0"/>
-              <a:t>INDEX</a:t>
-            </a:r>
-          </a:p>
-        </p:txBody>
-      </p:sp>
+              <a:t>CONTACT</a:t>
+            </a:r>
+          </a:p>
+        </p:txBody>
+      </p:sp>
+      <p:cxnSp>
+        <p:nvCxnSpPr>
+          <p:cNvPr id="3" name="Conector: angular 2">
+            <a:extLst>
+              <a:ext uri="{FF2B5EF4-FFF2-40B4-BE49-F238E27FC236}">
+                <a16:creationId xmlns:a16="http://schemas.microsoft.com/office/drawing/2014/main" id="{BB619BD7-29C6-4529-AB94-75C6D7C488B4}"/>
+              </a:ext>
+            </a:extLst>
+          </p:cNvPr>
+          <p:cNvCxnSpPr>
+            <a:cxnSpLocks/>
+            <a:stCxn id="4" idx="2"/>
+            <a:endCxn id="5" idx="0"/>
+          </p:cNvCxnSpPr>
+          <p:nvPr/>
+        </p:nvCxnSpPr>
+        <p:spPr>
+          <a:xfrm rot="10800000" flipV="1">
+            <a:off x="1183433" y="2531708"/>
+            <a:ext cx="3407229" cy="897292"/>
+          </a:xfrm>
+          <a:prstGeom prst="bentConnector2">
+            <a:avLst/>
+          </a:prstGeom>
+          <a:ln>
+            <a:solidFill>
+              <a:schemeClr val="tx1"/>
+            </a:solidFill>
+            <a:headEnd type="triangle"/>
+            <a:tailEnd type="triangle"/>
+          </a:ln>
+        </p:spPr>
+        <p:style>
+          <a:lnRef idx="1">
+            <a:schemeClr val="accent1"/>
+          </a:lnRef>
+          <a:fillRef idx="0">
+            <a:schemeClr val="accent1"/>
+          </a:fillRef>
+          <a:effectRef idx="0">
+            <a:schemeClr val="accent1"/>
+          </a:effectRef>
+          <a:fontRef idx="minor">
+            <a:schemeClr val="tx1"/>
+          </a:fontRef>
+        </p:style>
+      </p:cxnSp>
+      <p:cxnSp>
+        <p:nvCxnSpPr>
+          <p:cNvPr id="11" name="Conector recto de flecha 10">
+            <a:extLst>
+              <a:ext uri="{FF2B5EF4-FFF2-40B4-BE49-F238E27FC236}">
+                <a16:creationId xmlns:a16="http://schemas.microsoft.com/office/drawing/2014/main" id="{078AAF5F-F1D2-4A79-8D02-F659A6682DE8}"/>
+              </a:ext>
+            </a:extLst>
+          </p:cNvPr>
+          <p:cNvCxnSpPr>
+            <a:cxnSpLocks/>
+            <a:stCxn id="4" idx="3"/>
+            <a:endCxn id="8" idx="0"/>
+          </p:cNvCxnSpPr>
+          <p:nvPr/>
+        </p:nvCxnSpPr>
+        <p:spPr>
+          <a:xfrm flipH="1">
+            <a:off x="3167741" y="2739536"/>
+            <a:ext cx="1599190" cy="689465"/>
+          </a:xfrm>
+          <a:prstGeom prst="straightConnector1">
+            <a:avLst/>
+          </a:prstGeom>
+          <a:ln>
+            <a:solidFill>
+              <a:schemeClr val="tx1"/>
+            </a:solidFill>
+            <a:headEnd type="triangle"/>
+            <a:tailEnd type="triangle"/>
+          </a:ln>
+        </p:spPr>
+        <p:style>
+          <a:lnRef idx="1">
+            <a:schemeClr val="accent1"/>
+          </a:lnRef>
+          <a:fillRef idx="0">
+            <a:schemeClr val="accent1"/>
+          </a:fillRef>
+          <a:effectRef idx="0">
+            <a:schemeClr val="accent1"/>
+          </a:effectRef>
+          <a:fontRef idx="minor">
+            <a:schemeClr val="tx1"/>
+          </a:fontRef>
+        </p:style>
+      </p:cxnSp>
+      <p:cxnSp>
+        <p:nvCxnSpPr>
+          <p:cNvPr id="15" name="Conector recto de flecha 14">
+            <a:extLst>
+              <a:ext uri="{FF2B5EF4-FFF2-40B4-BE49-F238E27FC236}">
+                <a16:creationId xmlns:a16="http://schemas.microsoft.com/office/drawing/2014/main" id="{28853428-1A30-4E74-82FB-A887AC0AB601}"/>
+              </a:ext>
+            </a:extLst>
+          </p:cNvPr>
+          <p:cNvCxnSpPr>
+            <a:cxnSpLocks/>
+            <a:stCxn id="8" idx="2"/>
+            <a:endCxn id="5" idx="6"/>
+          </p:cNvCxnSpPr>
+          <p:nvPr/>
+        </p:nvCxnSpPr>
+        <p:spPr>
+          <a:xfrm flipH="1">
+            <a:off x="1785256" y="3722915"/>
+            <a:ext cx="601824" cy="0"/>
+          </a:xfrm>
+          <a:prstGeom prst="straightConnector1">
+            <a:avLst/>
+          </a:prstGeom>
+          <a:ln>
+            <a:solidFill>
+              <a:schemeClr val="tx1"/>
+            </a:solidFill>
+            <a:headEnd type="triangle"/>
+            <a:tailEnd type="triangle"/>
+          </a:ln>
+        </p:spPr>
+        <p:style>
+          <a:lnRef idx="1">
+            <a:schemeClr val="accent1"/>
+          </a:lnRef>
+          <a:fillRef idx="0">
+            <a:schemeClr val="accent1"/>
+          </a:fillRef>
+          <a:effectRef idx="0">
+            <a:schemeClr val="accent1"/>
+          </a:effectRef>
+          <a:fontRef idx="minor">
+            <a:schemeClr val="tx1"/>
+          </a:fontRef>
+        </p:style>
+      </p:cxnSp>
+      <p:cxnSp>
+        <p:nvCxnSpPr>
+          <p:cNvPr id="19" name="Conector recto de flecha 18">
+            <a:extLst>
+              <a:ext uri="{FF2B5EF4-FFF2-40B4-BE49-F238E27FC236}">
+                <a16:creationId xmlns:a16="http://schemas.microsoft.com/office/drawing/2014/main" id="{D71A9F62-BAC0-4E27-B8C7-0B7AA69B6F03}"/>
+              </a:ext>
+            </a:extLst>
+          </p:cNvPr>
+          <p:cNvCxnSpPr>
+            <a:stCxn id="4" idx="4"/>
+            <a:endCxn id="7" idx="0"/>
+          </p:cNvCxnSpPr>
+          <p:nvPr/>
+        </p:nvCxnSpPr>
+        <p:spPr>
+          <a:xfrm>
+            <a:off x="5192486" y="2825622"/>
+            <a:ext cx="0" cy="1769704"/>
+          </a:xfrm>
+          <a:prstGeom prst="straightConnector1">
+            <a:avLst/>
+          </a:prstGeom>
+          <a:ln>
+            <a:solidFill>
+              <a:schemeClr val="tx1"/>
+            </a:solidFill>
+            <a:tailEnd type="triangle"/>
+          </a:ln>
+        </p:spPr>
+        <p:style>
+          <a:lnRef idx="1">
+            <a:schemeClr val="accent1"/>
+          </a:lnRef>
+          <a:fillRef idx="0">
+            <a:schemeClr val="accent1"/>
+          </a:fillRef>
+          <a:effectRef idx="0">
+            <a:schemeClr val="accent1"/>
+          </a:effectRef>
+          <a:fontRef idx="minor">
+            <a:schemeClr val="tx1"/>
+          </a:fontRef>
+        </p:style>
+      </p:cxnSp>
+      <p:sp>
+        <p:nvSpPr>
+          <p:cNvPr id="26" name="Elipse 25">
+            <a:extLst>
+              <a:ext uri="{FF2B5EF4-FFF2-40B4-BE49-F238E27FC236}">
+                <a16:creationId xmlns:a16="http://schemas.microsoft.com/office/drawing/2014/main" id="{1B48DB5C-B52E-4C96-B447-B14D6B32E4F5}"/>
+              </a:ext>
+            </a:extLst>
+          </p:cNvPr>
+          <p:cNvSpPr/>
+          <p:nvPr/>
+        </p:nvSpPr>
+        <p:spPr>
+          <a:xfrm>
+            <a:off x="10254343" y="4595326"/>
+            <a:ext cx="1452465" cy="587829"/>
+          </a:xfrm>
+          <a:prstGeom prst="ellipse">
+            <a:avLst/>
+          </a:prstGeom>
+          <a:solidFill>
+            <a:srgbClr val="C00000"/>
+          </a:solidFill>
+          <a:ln>
+            <a:solidFill>
+              <a:srgbClr val="C00000"/>
+            </a:solidFill>
+          </a:ln>
+        </p:spPr>
+        <p:style>
+          <a:lnRef idx="2">
+            <a:schemeClr val="accent1">
+              <a:shade val="50000"/>
+            </a:schemeClr>
+          </a:lnRef>
+          <a:fillRef idx="1">
+            <a:schemeClr val="accent1"/>
+          </a:fillRef>
+          <a:effectRef idx="0">
+            <a:schemeClr val="accent1"/>
+          </a:effectRef>
+          <a:fontRef idx="minor">
+            <a:schemeClr val="lt1"/>
+          </a:fontRef>
+        </p:style>
+        <p:txBody>
+          <a:bodyPr rtlCol="0" anchor="ctr"/>
+          <a:lstStyle/>
+          <a:p>
+            <a:pPr algn="ctr"/>
+            <a:r>
+              <a:rPr lang="es-ES" dirty="0"/>
+              <a:t>LOGOUT</a:t>
+            </a:r>
+          </a:p>
+        </p:txBody>
+      </p:sp>
+      <p:sp>
+        <p:nvSpPr>
+          <p:cNvPr id="27" name="Elipse 26">
+            <a:extLst>
+              <a:ext uri="{FF2B5EF4-FFF2-40B4-BE49-F238E27FC236}">
+                <a16:creationId xmlns:a16="http://schemas.microsoft.com/office/drawing/2014/main" id="{E2CA60A7-8D08-43E8-9DD0-E31C3F8F2F8B}"/>
+              </a:ext>
+            </a:extLst>
+          </p:cNvPr>
+          <p:cNvSpPr/>
+          <p:nvPr/>
+        </p:nvSpPr>
+        <p:spPr>
+          <a:xfrm>
+            <a:off x="8194608" y="4640813"/>
+            <a:ext cx="1568991" cy="587829"/>
+          </a:xfrm>
+          <a:prstGeom prst="ellipse">
+            <a:avLst/>
+          </a:prstGeom>
+          <a:solidFill>
+            <a:srgbClr val="C00000"/>
+          </a:solidFill>
+          <a:ln>
+            <a:solidFill>
+              <a:srgbClr val="C00000"/>
+            </a:solidFill>
+          </a:ln>
+        </p:spPr>
+        <p:style>
+          <a:lnRef idx="2">
+            <a:schemeClr val="accent1">
+              <a:shade val="50000"/>
+            </a:schemeClr>
+          </a:lnRef>
+          <a:fillRef idx="1">
+            <a:schemeClr val="accent1"/>
+          </a:fillRef>
+          <a:effectRef idx="0">
+            <a:schemeClr val="accent1"/>
+          </a:effectRef>
+          <a:fontRef idx="minor">
+            <a:schemeClr val="lt1"/>
+          </a:fontRef>
+        </p:style>
+        <p:txBody>
+          <a:bodyPr rtlCol="0" anchor="ctr"/>
+          <a:lstStyle/>
+          <a:p>
+            <a:pPr algn="ctr"/>
+            <a:r>
+              <a:rPr lang="es-ES" dirty="0"/>
+              <a:t>HYSTORY</a:t>
+            </a:r>
+          </a:p>
+        </p:txBody>
+      </p:sp>
+      <p:sp>
+        <p:nvSpPr>
+          <p:cNvPr id="29" name="Rombo 28">
+            <a:extLst>
+              <a:ext uri="{FF2B5EF4-FFF2-40B4-BE49-F238E27FC236}">
+                <a16:creationId xmlns:a16="http://schemas.microsoft.com/office/drawing/2014/main" id="{0D8ECC6B-4663-462B-939D-6DC4C1A3CE82}"/>
+              </a:ext>
+            </a:extLst>
+          </p:cNvPr>
+          <p:cNvSpPr/>
+          <p:nvPr/>
+        </p:nvSpPr>
+        <p:spPr>
+          <a:xfrm>
+            <a:off x="8285530" y="3429000"/>
+            <a:ext cx="1387151" cy="729343"/>
+          </a:xfrm>
+          <a:prstGeom prst="diamond">
+            <a:avLst/>
+          </a:prstGeom>
+          <a:solidFill>
+            <a:schemeClr val="tx1"/>
+          </a:solidFill>
+          <a:ln>
+            <a:solidFill>
+              <a:srgbClr val="C00000"/>
+            </a:solidFill>
+          </a:ln>
+        </p:spPr>
+        <p:style>
+          <a:lnRef idx="2">
+            <a:schemeClr val="accent1">
+              <a:shade val="50000"/>
+            </a:schemeClr>
+          </a:lnRef>
+          <a:fillRef idx="1">
+            <a:schemeClr val="accent1"/>
+          </a:fillRef>
+          <a:effectRef idx="0">
+            <a:schemeClr val="accent1"/>
+          </a:effectRef>
+          <a:fontRef idx="minor">
+            <a:schemeClr val="lt1"/>
+          </a:fontRef>
+        </p:style>
+        <p:txBody>
+          <a:bodyPr rtlCol="0" anchor="ctr"/>
+          <a:lstStyle/>
+          <a:p>
+            <a:pPr algn="ctr"/>
+            <a:r>
+              <a:rPr lang="es-ES" dirty="0" err="1"/>
+              <a:t>Is</a:t>
+            </a:r>
+            <a:r>
+              <a:rPr lang="es-ES" dirty="0"/>
+              <a:t> </a:t>
+            </a:r>
+            <a:r>
+              <a:rPr lang="es-ES" dirty="0" err="1"/>
+              <a:t>login</a:t>
+            </a:r>
+            <a:endParaRPr lang="es-ES" dirty="0"/>
+          </a:p>
+        </p:txBody>
+      </p:sp>
+      <p:cxnSp>
+        <p:nvCxnSpPr>
+          <p:cNvPr id="39" name="Conector: angular 38">
+            <a:extLst>
+              <a:ext uri="{FF2B5EF4-FFF2-40B4-BE49-F238E27FC236}">
+                <a16:creationId xmlns:a16="http://schemas.microsoft.com/office/drawing/2014/main" id="{2A15E1CB-6CDF-4291-AE30-B1D203305818}"/>
+              </a:ext>
+            </a:extLst>
+          </p:cNvPr>
+          <p:cNvCxnSpPr>
+            <a:cxnSpLocks/>
+            <a:stCxn id="4" idx="6"/>
+            <a:endCxn id="29" idx="0"/>
+          </p:cNvCxnSpPr>
+          <p:nvPr/>
+        </p:nvCxnSpPr>
+        <p:spPr>
+          <a:xfrm>
+            <a:off x="5794310" y="2531708"/>
+            <a:ext cx="3184796" cy="897292"/>
+          </a:xfrm>
+          <a:prstGeom prst="bentConnector2">
+            <a:avLst/>
+          </a:prstGeom>
+          <a:ln>
+            <a:solidFill>
+              <a:schemeClr val="tx1"/>
+            </a:solidFill>
+            <a:tailEnd type="triangle"/>
+          </a:ln>
+        </p:spPr>
+        <p:style>
+          <a:lnRef idx="1">
+            <a:schemeClr val="accent1"/>
+          </a:lnRef>
+          <a:fillRef idx="0">
+            <a:schemeClr val="accent1"/>
+          </a:fillRef>
+          <a:effectRef idx="0">
+            <a:schemeClr val="accent1"/>
+          </a:effectRef>
+          <a:fontRef idx="minor">
+            <a:schemeClr val="tx1"/>
+          </a:fontRef>
+        </p:style>
+      </p:cxnSp>
+      <p:cxnSp>
+        <p:nvCxnSpPr>
+          <p:cNvPr id="44" name="Conector: angular 43">
+            <a:extLst>
+              <a:ext uri="{FF2B5EF4-FFF2-40B4-BE49-F238E27FC236}">
+                <a16:creationId xmlns:a16="http://schemas.microsoft.com/office/drawing/2014/main" id="{E5D663FC-892A-49B4-A512-10FAF3E01C9E}"/>
+              </a:ext>
+            </a:extLst>
+          </p:cNvPr>
+          <p:cNvCxnSpPr>
+            <a:cxnSpLocks/>
+            <a:stCxn id="29" idx="1"/>
+            <a:endCxn id="6" idx="0"/>
+          </p:cNvCxnSpPr>
+          <p:nvPr/>
+        </p:nvCxnSpPr>
+        <p:spPr>
+          <a:xfrm rot="10800000" flipV="1">
+            <a:off x="6775584" y="3793672"/>
+            <a:ext cx="1509947" cy="801654"/>
+          </a:xfrm>
+          <a:prstGeom prst="bentConnector2">
+            <a:avLst/>
+          </a:prstGeom>
+          <a:ln>
+            <a:solidFill>
+              <a:schemeClr val="tx1"/>
+            </a:solidFill>
+            <a:tailEnd type="triangle"/>
+          </a:ln>
+        </p:spPr>
+        <p:style>
+          <a:lnRef idx="1">
+            <a:schemeClr val="accent1"/>
+          </a:lnRef>
+          <a:fillRef idx="0">
+            <a:schemeClr val="accent1"/>
+          </a:fillRef>
+          <a:effectRef idx="0">
+            <a:schemeClr val="accent1"/>
+          </a:effectRef>
+          <a:fontRef idx="minor">
+            <a:schemeClr val="tx1"/>
+          </a:fontRef>
+        </p:style>
+      </p:cxnSp>
+      <p:cxnSp>
+        <p:nvCxnSpPr>
+          <p:cNvPr id="47" name="Conector: angular 46">
+            <a:extLst>
+              <a:ext uri="{FF2B5EF4-FFF2-40B4-BE49-F238E27FC236}">
+                <a16:creationId xmlns:a16="http://schemas.microsoft.com/office/drawing/2014/main" id="{60DF8DA5-21E0-41EF-9515-728862F5F6CE}"/>
+              </a:ext>
+            </a:extLst>
+          </p:cNvPr>
+          <p:cNvCxnSpPr>
+            <a:cxnSpLocks/>
+            <a:stCxn id="29" idx="3"/>
+            <a:endCxn id="26" idx="0"/>
+          </p:cNvCxnSpPr>
+          <p:nvPr/>
+        </p:nvCxnSpPr>
+        <p:spPr>
+          <a:xfrm>
+            <a:off x="9672681" y="3793672"/>
+            <a:ext cx="1307895" cy="801654"/>
+          </a:xfrm>
+          <a:prstGeom prst="bentConnector2">
+            <a:avLst/>
+          </a:prstGeom>
+          <a:ln>
+            <a:solidFill>
+              <a:schemeClr val="tx1"/>
+            </a:solidFill>
+            <a:tailEnd type="triangle"/>
+          </a:ln>
+        </p:spPr>
+        <p:style>
+          <a:lnRef idx="1">
+            <a:schemeClr val="accent1"/>
+          </a:lnRef>
+          <a:fillRef idx="0">
+            <a:schemeClr val="accent1"/>
+          </a:fillRef>
+          <a:effectRef idx="0">
+            <a:schemeClr val="accent1"/>
+          </a:effectRef>
+          <a:fontRef idx="minor">
+            <a:schemeClr val="tx1"/>
+          </a:fontRef>
+        </p:style>
+      </p:cxnSp>
+      <p:cxnSp>
+        <p:nvCxnSpPr>
+          <p:cNvPr id="51" name="Conector recto de flecha 50">
+            <a:extLst>
+              <a:ext uri="{FF2B5EF4-FFF2-40B4-BE49-F238E27FC236}">
+                <a16:creationId xmlns:a16="http://schemas.microsoft.com/office/drawing/2014/main" id="{D8BB3C0B-EC6A-4F30-894A-6E0C4F96127F}"/>
+              </a:ext>
+            </a:extLst>
+          </p:cNvPr>
+          <p:cNvCxnSpPr>
+            <a:cxnSpLocks/>
+            <a:stCxn id="29" idx="2"/>
+            <a:endCxn id="27" idx="0"/>
+          </p:cNvCxnSpPr>
+          <p:nvPr/>
+        </p:nvCxnSpPr>
+        <p:spPr>
+          <a:xfrm flipH="1">
+            <a:off x="8979104" y="4158343"/>
+            <a:ext cx="2" cy="482470"/>
+          </a:xfrm>
+          <a:prstGeom prst="straightConnector1">
+            <a:avLst/>
+          </a:prstGeom>
+          <a:ln>
+            <a:solidFill>
+              <a:schemeClr val="tx1"/>
+            </a:solidFill>
+            <a:tailEnd type="triangle"/>
+          </a:ln>
+        </p:spPr>
+        <p:style>
+          <a:lnRef idx="1">
+            <a:schemeClr val="accent1"/>
+          </a:lnRef>
+          <a:fillRef idx="0">
+            <a:schemeClr val="accent1"/>
+          </a:fillRef>
+          <a:effectRef idx="0">
+            <a:schemeClr val="accent1"/>
+          </a:effectRef>
+          <a:fontRef idx="minor">
+            <a:schemeClr val="tx1"/>
+          </a:fontRef>
+        </p:style>
+      </p:cxnSp>
+      <p:sp>
+        <p:nvSpPr>
+          <p:cNvPr id="54" name="CuadroTexto 53">
+            <a:extLst>
+              <a:ext uri="{FF2B5EF4-FFF2-40B4-BE49-F238E27FC236}">
+                <a16:creationId xmlns:a16="http://schemas.microsoft.com/office/drawing/2014/main" id="{6B41F366-33A3-4E34-AE1F-BCA576BE9A79}"/>
+              </a:ext>
+            </a:extLst>
+          </p:cNvPr>
+          <p:cNvSpPr txBox="1"/>
+          <p:nvPr/>
+        </p:nvSpPr>
+        <p:spPr>
+          <a:xfrm>
+            <a:off x="7447517" y="3722914"/>
+            <a:ext cx="491225" cy="369332"/>
+          </a:xfrm>
+          <a:prstGeom prst="rect">
+            <a:avLst/>
+          </a:prstGeom>
+          <a:noFill/>
+        </p:spPr>
+        <p:txBody>
+          <a:bodyPr wrap="none" rtlCol="0">
+            <a:spAutoFit/>
+          </a:bodyPr>
+          <a:lstStyle/>
+          <a:p>
+            <a:r>
+              <a:rPr lang="es-ES" dirty="0"/>
+              <a:t>yes</a:t>
+            </a:r>
+          </a:p>
+        </p:txBody>
+      </p:sp>
+      <p:sp>
+        <p:nvSpPr>
+          <p:cNvPr id="55" name="CuadroTexto 54">
+            <a:extLst>
+              <a:ext uri="{FF2B5EF4-FFF2-40B4-BE49-F238E27FC236}">
+                <a16:creationId xmlns:a16="http://schemas.microsoft.com/office/drawing/2014/main" id="{C0A16B29-D08D-494A-BE2D-D206F59F3896}"/>
+              </a:ext>
+            </a:extLst>
+          </p:cNvPr>
+          <p:cNvSpPr txBox="1"/>
+          <p:nvPr/>
+        </p:nvSpPr>
+        <p:spPr>
+          <a:xfrm>
+            <a:off x="10120643" y="3710474"/>
+            <a:ext cx="491225" cy="369332"/>
+          </a:xfrm>
+          <a:prstGeom prst="rect">
+            <a:avLst/>
+          </a:prstGeom>
+          <a:noFill/>
+        </p:spPr>
+        <p:txBody>
+          <a:bodyPr wrap="none" rtlCol="0">
+            <a:spAutoFit/>
+          </a:bodyPr>
+          <a:lstStyle/>
+          <a:p>
+            <a:r>
+              <a:rPr lang="es-ES" dirty="0"/>
+              <a:t>yes</a:t>
+            </a:r>
+          </a:p>
+        </p:txBody>
+      </p:sp>
+      <p:sp>
+        <p:nvSpPr>
+          <p:cNvPr id="56" name="CuadroTexto 55">
+            <a:extLst>
+              <a:ext uri="{FF2B5EF4-FFF2-40B4-BE49-F238E27FC236}">
+                <a16:creationId xmlns:a16="http://schemas.microsoft.com/office/drawing/2014/main" id="{67656510-AE53-4DDC-B8DB-DE3D5D73B7F5}"/>
+              </a:ext>
+            </a:extLst>
+          </p:cNvPr>
+          <p:cNvSpPr txBox="1"/>
+          <p:nvPr/>
+        </p:nvSpPr>
+        <p:spPr>
+          <a:xfrm>
+            <a:off x="8979104" y="4192168"/>
+            <a:ext cx="491225" cy="369332"/>
+          </a:xfrm>
+          <a:prstGeom prst="rect">
+            <a:avLst/>
+          </a:prstGeom>
+          <a:noFill/>
+        </p:spPr>
+        <p:txBody>
+          <a:bodyPr wrap="none" rtlCol="0">
+            <a:spAutoFit/>
+          </a:bodyPr>
+          <a:lstStyle/>
+          <a:p>
+            <a:r>
+              <a:rPr lang="es-ES" dirty="0"/>
+              <a:t>yes</a:t>
+            </a:r>
+          </a:p>
+        </p:txBody>
+      </p:sp>
+      <p:cxnSp>
+        <p:nvCxnSpPr>
+          <p:cNvPr id="24" name="Conector recto de flecha 23">
+            <a:extLst>
+              <a:ext uri="{FF2B5EF4-FFF2-40B4-BE49-F238E27FC236}">
+                <a16:creationId xmlns:a16="http://schemas.microsoft.com/office/drawing/2014/main" id="{D758BB45-DEC0-4577-8F36-9AFCF828CF0D}"/>
+              </a:ext>
+            </a:extLst>
+          </p:cNvPr>
+          <p:cNvCxnSpPr>
+            <a:cxnSpLocks/>
+            <a:stCxn id="7" idx="1"/>
+            <a:endCxn id="8" idx="5"/>
+          </p:cNvCxnSpPr>
+          <p:nvPr/>
+        </p:nvCxnSpPr>
+        <p:spPr>
+          <a:xfrm flipH="1" flipV="1">
+            <a:off x="3719752" y="3930744"/>
+            <a:ext cx="1047179" cy="750668"/>
+          </a:xfrm>
+          <a:prstGeom prst="straightConnector1">
+            <a:avLst/>
+          </a:prstGeom>
+          <a:ln>
+            <a:solidFill>
+              <a:schemeClr val="tx1"/>
+            </a:solidFill>
+            <a:headEnd type="triangle"/>
+            <a:tailEnd type="triangle"/>
+          </a:ln>
+        </p:spPr>
+        <p:style>
+          <a:lnRef idx="1">
+            <a:schemeClr val="accent1"/>
+          </a:lnRef>
+          <a:fillRef idx="0">
+            <a:schemeClr val="accent1"/>
+          </a:fillRef>
+          <a:effectRef idx="0">
+            <a:schemeClr val="accent1"/>
+          </a:effectRef>
+          <a:fontRef idx="minor">
+            <a:schemeClr val="tx1"/>
+          </a:fontRef>
+        </p:style>
+      </p:cxnSp>
+      <p:cxnSp>
+        <p:nvCxnSpPr>
+          <p:cNvPr id="28" name="Conector: angular 27">
+            <a:extLst>
+              <a:ext uri="{FF2B5EF4-FFF2-40B4-BE49-F238E27FC236}">
+                <a16:creationId xmlns:a16="http://schemas.microsoft.com/office/drawing/2014/main" id="{E47935B0-D628-4D0A-8F72-B55800CF2A77}"/>
+              </a:ext>
+            </a:extLst>
+          </p:cNvPr>
+          <p:cNvCxnSpPr>
+            <a:cxnSpLocks/>
+            <a:stCxn id="7" idx="2"/>
+            <a:endCxn id="5" idx="4"/>
+          </p:cNvCxnSpPr>
+          <p:nvPr/>
+        </p:nvCxnSpPr>
+        <p:spPr>
+          <a:xfrm rot="10800000">
+            <a:off x="1183433" y="4016829"/>
+            <a:ext cx="3407229" cy="872412"/>
+          </a:xfrm>
+          <a:prstGeom prst="bentConnector2">
+            <a:avLst/>
+          </a:prstGeom>
+          <a:ln>
+            <a:solidFill>
+              <a:schemeClr val="tx1"/>
+            </a:solidFill>
+            <a:headEnd type="triangle"/>
+            <a:tailEnd type="triangle"/>
+          </a:ln>
+        </p:spPr>
+        <p:style>
+          <a:lnRef idx="1">
+            <a:schemeClr val="accent1"/>
+          </a:lnRef>
+          <a:fillRef idx="0">
+            <a:schemeClr val="accent1"/>
+          </a:fillRef>
+          <a:effectRef idx="0">
+            <a:schemeClr val="accent1"/>
+          </a:effectRef>
+          <a:fontRef idx="minor">
+            <a:schemeClr val="tx1"/>
+          </a:fontRef>
+        </p:style>
+      </p:cxnSp>
+      <p:cxnSp>
+        <p:nvCxnSpPr>
+          <p:cNvPr id="32" name="Conector: angular 31">
+            <a:extLst>
+              <a:ext uri="{FF2B5EF4-FFF2-40B4-BE49-F238E27FC236}">
+                <a16:creationId xmlns:a16="http://schemas.microsoft.com/office/drawing/2014/main" id="{929A704C-2F2E-4722-8D8C-9BF5F17C714C}"/>
+              </a:ext>
+            </a:extLst>
+          </p:cNvPr>
+          <p:cNvCxnSpPr>
+            <a:cxnSpLocks/>
+            <a:stCxn id="26" idx="7"/>
+            <a:endCxn id="4" idx="7"/>
+          </p:cNvCxnSpPr>
+          <p:nvPr/>
+        </p:nvCxnSpPr>
+        <p:spPr>
+          <a:xfrm rot="16200000" flipV="1">
+            <a:off x="7377304" y="564616"/>
+            <a:ext cx="2357533" cy="5876059"/>
+          </a:xfrm>
+          <a:prstGeom prst="bentConnector3">
+            <a:avLst>
+              <a:gd name="adj1" fmla="val 113348"/>
+            </a:avLst>
+          </a:prstGeom>
+          <a:ln>
+            <a:solidFill>
+              <a:schemeClr val="tx1"/>
+            </a:solidFill>
+            <a:tailEnd type="triangle"/>
+          </a:ln>
+        </p:spPr>
+        <p:style>
+          <a:lnRef idx="1">
+            <a:schemeClr val="accent1"/>
+          </a:lnRef>
+          <a:fillRef idx="0">
+            <a:schemeClr val="accent1"/>
+          </a:fillRef>
+          <a:effectRef idx="0">
+            <a:schemeClr val="accent1"/>
+          </a:effectRef>
+          <a:fontRef idx="minor">
+            <a:schemeClr val="tx1"/>
+          </a:fontRef>
+        </p:style>
+      </p:cxnSp>
+      <p:cxnSp>
+        <p:nvCxnSpPr>
+          <p:cNvPr id="34" name="Conector recto de flecha 33">
+            <a:extLst>
+              <a:ext uri="{FF2B5EF4-FFF2-40B4-BE49-F238E27FC236}">
+                <a16:creationId xmlns:a16="http://schemas.microsoft.com/office/drawing/2014/main" id="{E0ACCD6B-35DD-4CDA-9426-93B6B062BF76}"/>
+              </a:ext>
+            </a:extLst>
+          </p:cNvPr>
+          <p:cNvCxnSpPr>
+            <a:cxnSpLocks/>
+            <a:endCxn id="6" idx="6"/>
+          </p:cNvCxnSpPr>
+          <p:nvPr/>
+        </p:nvCxnSpPr>
+        <p:spPr>
+          <a:xfrm flipH="1">
+            <a:off x="7377407" y="4889240"/>
+            <a:ext cx="814030" cy="1"/>
+          </a:xfrm>
+          <a:prstGeom prst="straightConnector1">
+            <a:avLst/>
+          </a:prstGeom>
+          <a:ln>
+            <a:solidFill>
+              <a:schemeClr val="tx1"/>
+            </a:solidFill>
+            <a:headEnd type="triangle"/>
+            <a:tailEnd type="triangle"/>
+          </a:ln>
+        </p:spPr>
+        <p:style>
+          <a:lnRef idx="1">
+            <a:schemeClr val="accent1"/>
+          </a:lnRef>
+          <a:fillRef idx="0">
+            <a:schemeClr val="accent1"/>
+          </a:fillRef>
+          <a:effectRef idx="0">
+            <a:schemeClr val="accent1"/>
+          </a:effectRef>
+          <a:fontRef idx="minor">
+            <a:schemeClr val="tx1"/>
+          </a:fontRef>
+        </p:style>
+      </p:cxnSp>
     </p:spTree>
     <p:extLst>
       <p:ext uri="{BB962C8B-B14F-4D97-AF65-F5344CB8AC3E}">
         <p14:creationId xmlns:p14="http://schemas.microsoft.com/office/powerpoint/2010/main" val="2384541639"/>
+      </p:ext>
+    </p:extLst>
+  </p:cSld>
+  <p:clrMapOvr>
+    <a:masterClrMapping/>
+  </p:clrMapOvr>
+</p:sld>
+</file>
+
+<file path=ppt/slides/slide2.xml><?xml version="1.0" encoding="utf-8"?>
+<p:sld xmlns:a="http://schemas.openxmlformats.org/drawingml/2006/main" xmlns:r="http://schemas.openxmlformats.org/officeDocument/2006/relationships" xmlns:p="http://schemas.openxmlformats.org/presentationml/2006/main">
+  <p:cSld>
+    <p:bg>
+      <p:bgPr>
+        <a:solidFill>
+          <a:schemeClr val="bg1"/>
+        </a:solidFill>
+        <a:effectLst/>
+      </p:bgPr>
+    </p:bg>
+    <p:spTree>
+      <p:nvGrpSpPr>
+        <p:cNvPr id="1" name=""/>
+        <p:cNvGrpSpPr/>
+        <p:nvPr/>
+      </p:nvGrpSpPr>
+      <p:grpSpPr>
+        <a:xfrm>
+          <a:off x="0" y="0"/>
+          <a:ext cx="0" cy="0"/>
+          <a:chOff x="0" y="0"/>
+          <a:chExt cx="0" cy="0"/>
+        </a:xfrm>
+      </p:grpSpPr>
+      <p:pic>
+        <p:nvPicPr>
+          <p:cNvPr id="4" name="Imagen 3">
+            <a:extLst>
+              <a:ext uri="{FF2B5EF4-FFF2-40B4-BE49-F238E27FC236}">
+                <a16:creationId xmlns:a16="http://schemas.microsoft.com/office/drawing/2014/main" id="{6540A2EE-97E0-4FFC-88FD-86187883B71D}"/>
+              </a:ext>
+            </a:extLst>
+          </p:cNvPr>
+          <p:cNvPicPr>
+            <a:picLocks noChangeAspect="1"/>
+          </p:cNvPicPr>
+          <p:nvPr/>
+        </p:nvPicPr>
+        <p:blipFill rotWithShape="1">
+          <a:blip r:embed="rId2"/>
+          <a:srcRect/>
+          <a:stretch/>
+        </p:blipFill>
+        <p:spPr>
+          <a:xfrm>
+            <a:off x="0" y="0"/>
+            <a:ext cx="12192000" cy="6858000"/>
+          </a:xfrm>
+          <a:prstGeom prst="rect">
+            <a:avLst/>
+          </a:prstGeom>
+        </p:spPr>
+      </p:pic>
+    </p:spTree>
+    <p:extLst>
+      <p:ext uri="{BB962C8B-B14F-4D97-AF65-F5344CB8AC3E}">
+        <p14:creationId xmlns:p14="http://schemas.microsoft.com/office/powerpoint/2010/main" val="1002958206"/>
       </p:ext>
     </p:extLst>
   </p:cSld>

--- a/Mapa_navegacion.pptx
+++ b/Mapa_navegacion.pptx
@@ -6,7 +6,8 @@
   </p:sldMasterIdLst>
   <p:sldIdLst>
     <p:sldId id="256" r:id="rId2"/>
-    <p:sldId id="257" r:id="rId3"/>
+    <p:sldId id="258" r:id="rId3"/>
+    <p:sldId id="257" r:id="rId4"/>
   </p:sldIdLst>
   <p:sldSz cx="12192000" cy="6858000"/>
   <p:notesSz cx="6858000" cy="9144000"/>
@@ -260,7 +261,7 @@
           <a:p>
             <a:fld id="{376943D5-D309-4405-908A-FA52E02F2D87}" type="datetimeFigureOut">
               <a:rPr lang="es-ES" smtClean="0"/>
-              <a:t>28/09/2018</a:t>
+              <a:t>01/10/2018</a:t>
             </a:fld>
             <a:endParaRPr lang="es-ES"/>
           </a:p>
@@ -458,7 +459,7 @@
           <a:p>
             <a:fld id="{376943D5-D309-4405-908A-FA52E02F2D87}" type="datetimeFigureOut">
               <a:rPr lang="es-ES" smtClean="0"/>
-              <a:t>28/09/2018</a:t>
+              <a:t>01/10/2018</a:t>
             </a:fld>
             <a:endParaRPr lang="es-ES"/>
           </a:p>
@@ -666,7 +667,7 @@
           <a:p>
             <a:fld id="{376943D5-D309-4405-908A-FA52E02F2D87}" type="datetimeFigureOut">
               <a:rPr lang="es-ES" smtClean="0"/>
-              <a:t>28/09/2018</a:t>
+              <a:t>01/10/2018</a:t>
             </a:fld>
             <a:endParaRPr lang="es-ES"/>
           </a:p>
@@ -864,7 +865,7 @@
           <a:p>
             <a:fld id="{376943D5-D309-4405-908A-FA52E02F2D87}" type="datetimeFigureOut">
               <a:rPr lang="es-ES" smtClean="0"/>
-              <a:t>28/09/2018</a:t>
+              <a:t>01/10/2018</a:t>
             </a:fld>
             <a:endParaRPr lang="es-ES"/>
           </a:p>
@@ -1139,7 +1140,7 @@
           <a:p>
             <a:fld id="{376943D5-D309-4405-908A-FA52E02F2D87}" type="datetimeFigureOut">
               <a:rPr lang="es-ES" smtClean="0"/>
-              <a:t>28/09/2018</a:t>
+              <a:t>01/10/2018</a:t>
             </a:fld>
             <a:endParaRPr lang="es-ES"/>
           </a:p>
@@ -1404,7 +1405,7 @@
           <a:p>
             <a:fld id="{376943D5-D309-4405-908A-FA52E02F2D87}" type="datetimeFigureOut">
               <a:rPr lang="es-ES" smtClean="0"/>
-              <a:t>28/09/2018</a:t>
+              <a:t>01/10/2018</a:t>
             </a:fld>
             <a:endParaRPr lang="es-ES"/>
           </a:p>
@@ -1816,7 +1817,7 @@
           <a:p>
             <a:fld id="{376943D5-D309-4405-908A-FA52E02F2D87}" type="datetimeFigureOut">
               <a:rPr lang="es-ES" smtClean="0"/>
-              <a:t>28/09/2018</a:t>
+              <a:t>01/10/2018</a:t>
             </a:fld>
             <a:endParaRPr lang="es-ES"/>
           </a:p>
@@ -1957,7 +1958,7 @@
           <a:p>
             <a:fld id="{376943D5-D309-4405-908A-FA52E02F2D87}" type="datetimeFigureOut">
               <a:rPr lang="es-ES" smtClean="0"/>
-              <a:t>28/09/2018</a:t>
+              <a:t>01/10/2018</a:t>
             </a:fld>
             <a:endParaRPr lang="es-ES"/>
           </a:p>
@@ -2070,7 +2071,7 @@
           <a:p>
             <a:fld id="{376943D5-D309-4405-908A-FA52E02F2D87}" type="datetimeFigureOut">
               <a:rPr lang="es-ES" smtClean="0"/>
-              <a:t>28/09/2018</a:t>
+              <a:t>01/10/2018</a:t>
             </a:fld>
             <a:endParaRPr lang="es-ES"/>
           </a:p>
@@ -2381,7 +2382,7 @@
           <a:p>
             <a:fld id="{376943D5-D309-4405-908A-FA52E02F2D87}" type="datetimeFigureOut">
               <a:rPr lang="es-ES" smtClean="0"/>
-              <a:t>28/09/2018</a:t>
+              <a:t>01/10/2018</a:t>
             </a:fld>
             <a:endParaRPr lang="es-ES"/>
           </a:p>
@@ -2669,7 +2670,7 @@
           <a:p>
             <a:fld id="{376943D5-D309-4405-908A-FA52E02F2D87}" type="datetimeFigureOut">
               <a:rPr lang="es-ES" smtClean="0"/>
-              <a:t>28/09/2018</a:t>
+              <a:t>01/10/2018</a:t>
             </a:fld>
             <a:endParaRPr lang="es-ES"/>
           </a:p>
@@ -2910,7 +2911,7 @@
           <a:p>
             <a:fld id="{376943D5-D309-4405-908A-FA52E02F2D87}" type="datetimeFigureOut">
               <a:rPr lang="es-ES" smtClean="0"/>
-              <a:t>28/09/2018</a:t>
+              <a:t>01/10/2018</a:t>
             </a:fld>
             <a:endParaRPr lang="es-ES"/>
           </a:p>
@@ -3341,7 +3342,7 @@
         </p:nvSpPr>
         <p:spPr>
           <a:xfrm>
-            <a:off x="4590661" y="2237793"/>
+            <a:off x="7336917" y="2029964"/>
             <a:ext cx="1203649" cy="587829"/>
           </a:xfrm>
           <a:prstGeom prst="ellipse">
@@ -3398,7 +3399,7 @@
         </p:nvSpPr>
         <p:spPr>
           <a:xfrm>
-            <a:off x="581607" y="3429000"/>
+            <a:off x="2004527" y="3220810"/>
             <a:ext cx="1203649" cy="587829"/>
           </a:xfrm>
           <a:prstGeom prst="ellipse">
@@ -3455,7 +3456,7 @@
         </p:nvSpPr>
         <p:spPr>
           <a:xfrm>
-            <a:off x="6173758" y="4595326"/>
+            <a:off x="7616300" y="4159342"/>
             <a:ext cx="1203649" cy="587829"/>
           </a:xfrm>
           <a:prstGeom prst="ellipse">
@@ -3512,7 +3513,7 @@
         </p:nvSpPr>
         <p:spPr>
           <a:xfrm>
-            <a:off x="4590661" y="4595326"/>
+            <a:off x="6045133" y="4188276"/>
             <a:ext cx="1203649" cy="587829"/>
           </a:xfrm>
           <a:prstGeom prst="ellipse">
@@ -3569,7 +3570,7 @@
         </p:nvSpPr>
         <p:spPr>
           <a:xfrm>
-            <a:off x="2387080" y="3429001"/>
+            <a:off x="4539799" y="3220810"/>
             <a:ext cx="1561322" cy="587828"/>
           </a:xfrm>
           <a:prstGeom prst="ellipse">
@@ -3630,8 +3631,8 @@
         </p:nvCxnSpPr>
         <p:spPr>
           <a:xfrm rot="10800000" flipV="1">
-            <a:off x="1183433" y="2531708"/>
-            <a:ext cx="3407229" cy="897292"/>
+            <a:off x="2606353" y="2323878"/>
+            <a:ext cx="4730565" cy="896931"/>
           </a:xfrm>
           <a:prstGeom prst="bentConnector2">
             <a:avLst/>
@@ -3677,8 +3678,8 @@
         </p:nvCxnSpPr>
         <p:spPr>
           <a:xfrm flipH="1">
-            <a:off x="3167741" y="2739536"/>
-            <a:ext cx="1599190" cy="689465"/>
+            <a:off x="5320460" y="2531707"/>
+            <a:ext cx="2192727" cy="689103"/>
           </a:xfrm>
           <a:prstGeom prst="straightConnector1">
             <a:avLst/>
@@ -3724,8 +3725,8 @@
         </p:nvCxnSpPr>
         <p:spPr>
           <a:xfrm flipH="1">
-            <a:off x="1785256" y="3722915"/>
-            <a:ext cx="601824" cy="0"/>
+            <a:off x="3208176" y="3514724"/>
+            <a:ext cx="1331623" cy="1"/>
           </a:xfrm>
           <a:prstGeom prst="straightConnector1">
             <a:avLst/>
@@ -3769,9 +3770,9 @@
           <p:nvPr/>
         </p:nvCxnSpPr>
         <p:spPr>
-          <a:xfrm>
-            <a:off x="5192486" y="2825622"/>
-            <a:ext cx="0" cy="1769704"/>
+          <a:xfrm flipH="1">
+            <a:off x="6646958" y="2617793"/>
+            <a:ext cx="1291784" cy="1570483"/>
           </a:xfrm>
           <a:prstGeom prst="straightConnector1">
             <a:avLst/>
@@ -3812,7 +3813,7 @@
         </p:nvSpPr>
         <p:spPr>
           <a:xfrm>
-            <a:off x="10254343" y="4595326"/>
+            <a:off x="10254343" y="4188276"/>
             <a:ext cx="1452465" cy="587829"/>
           </a:xfrm>
           <a:prstGeom prst="ellipse">
@@ -3869,7 +3870,7 @@
         </p:nvSpPr>
         <p:spPr>
           <a:xfrm>
-            <a:off x="8194608" y="4640813"/>
+            <a:off x="8797264" y="5504115"/>
             <a:ext cx="1568991" cy="587829"/>
           </a:xfrm>
           <a:prstGeom prst="ellipse">
@@ -3926,7 +3927,7 @@
         </p:nvSpPr>
         <p:spPr>
           <a:xfrm>
-            <a:off x="8285530" y="3429000"/>
+            <a:off x="8904040" y="3318753"/>
             <a:ext cx="1387151" cy="729343"/>
           </a:xfrm>
           <a:prstGeom prst="diamond">
@@ -3996,8 +3997,8 @@
         </p:nvCxnSpPr>
         <p:spPr>
           <a:xfrm>
-            <a:off x="5794310" y="2531708"/>
-            <a:ext cx="3184796" cy="897292"/>
+            <a:off x="8540566" y="2323879"/>
+            <a:ext cx="1057050" cy="994874"/>
           </a:xfrm>
           <a:prstGeom prst="bentConnector2">
             <a:avLst/>
@@ -4042,8 +4043,8 @@
         </p:nvCxnSpPr>
         <p:spPr>
           <a:xfrm rot="10800000" flipV="1">
-            <a:off x="6775584" y="3793672"/>
-            <a:ext cx="1509947" cy="801654"/>
+            <a:off x="8218126" y="3683424"/>
+            <a:ext cx="685915" cy="475917"/>
           </a:xfrm>
           <a:prstGeom prst="bentConnector2">
             <a:avLst/>
@@ -4088,8 +4089,8 @@
         </p:nvCxnSpPr>
         <p:spPr>
           <a:xfrm>
-            <a:off x="9672681" y="3793672"/>
-            <a:ext cx="1307895" cy="801654"/>
+            <a:off x="10291191" y="3683425"/>
+            <a:ext cx="689385" cy="504851"/>
           </a:xfrm>
           <a:prstGeom prst="bentConnector2">
             <a:avLst/>
@@ -4134,8 +4135,8 @@
         </p:nvCxnSpPr>
         <p:spPr>
           <a:xfrm flipH="1">
-            <a:off x="8979104" y="4158343"/>
-            <a:ext cx="2" cy="482470"/>
+            <a:off x="9581760" y="4048096"/>
+            <a:ext cx="15856" cy="1456019"/>
           </a:xfrm>
           <a:prstGeom prst="straightConnector1">
             <a:avLst/>
@@ -4285,8 +4286,8 @@
         </p:nvCxnSpPr>
         <p:spPr>
           <a:xfrm flipH="1" flipV="1">
-            <a:off x="3719752" y="3930744"/>
-            <a:ext cx="1047179" cy="750668"/>
+            <a:off x="5872471" y="3722553"/>
+            <a:ext cx="348932" cy="551809"/>
           </a:xfrm>
           <a:prstGeom prst="straightConnector1">
             <a:avLst/>
@@ -4332,8 +4333,8 @@
         </p:nvCxnSpPr>
         <p:spPr>
           <a:xfrm rot="10800000">
-            <a:off x="1183433" y="4016829"/>
-            <a:ext cx="3407229" cy="872412"/>
+            <a:off x="2606353" y="3808639"/>
+            <a:ext cx="3438781" cy="673552"/>
           </a:xfrm>
           <a:prstGeom prst="bentConnector2">
             <a:avLst/>
@@ -4379,12 +4380,12 @@
         </p:nvCxnSpPr>
         <p:spPr>
           <a:xfrm rot="16200000" flipV="1">
-            <a:off x="7377304" y="564616"/>
-            <a:ext cx="2357533" cy="5876059"/>
+            <a:off x="8850042" y="1630304"/>
+            <a:ext cx="2158312" cy="3129803"/>
           </a:xfrm>
           <a:prstGeom prst="bentConnector3">
             <a:avLst>
-              <a:gd name="adj1" fmla="val 113348"/>
+              <a:gd name="adj1" fmla="val 114580"/>
             </a:avLst>
           </a:prstGeom>
           <a:ln>
@@ -4420,14 +4421,15 @@
           </p:cNvPr>
           <p:cNvCxnSpPr>
             <a:cxnSpLocks/>
+            <a:stCxn id="27" idx="2"/>
             <a:endCxn id="6" idx="6"/>
           </p:cNvCxnSpPr>
           <p:nvPr/>
         </p:nvCxnSpPr>
         <p:spPr>
-          <a:xfrm flipH="1">
-            <a:off x="7377407" y="4889240"/>
-            <a:ext cx="814030" cy="1"/>
+          <a:xfrm flipV="1">
+            <a:off x="8797264" y="4453257"/>
+            <a:ext cx="22685" cy="1344773"/>
           </a:xfrm>
           <a:prstGeom prst="straightConnector1">
             <a:avLst/>
@@ -4455,6 +4457,149 @@
           </a:fontRef>
         </p:style>
       </p:cxnSp>
+      <p:sp>
+        <p:nvSpPr>
+          <p:cNvPr id="25" name="Elipse 24">
+            <a:extLst>
+              <a:ext uri="{FF2B5EF4-FFF2-40B4-BE49-F238E27FC236}">
+                <a16:creationId xmlns:a16="http://schemas.microsoft.com/office/drawing/2014/main" id="{9E814150-7A66-47EF-8E91-EC57B8B3C0DA}"/>
+              </a:ext>
+            </a:extLst>
+          </p:cNvPr>
+          <p:cNvSpPr/>
+          <p:nvPr/>
+        </p:nvSpPr>
+        <p:spPr>
+          <a:xfrm>
+            <a:off x="276605" y="5210200"/>
+            <a:ext cx="2064370" cy="587829"/>
+          </a:xfrm>
+          <a:prstGeom prst="ellipse">
+            <a:avLst/>
+          </a:prstGeom>
+          <a:solidFill>
+            <a:srgbClr val="C00000"/>
+          </a:solidFill>
+          <a:ln>
+            <a:solidFill>
+              <a:srgbClr val="C00000"/>
+            </a:solidFill>
+          </a:ln>
+        </p:spPr>
+        <p:style>
+          <a:lnRef idx="2">
+            <a:schemeClr val="accent1">
+              <a:shade val="50000"/>
+            </a:schemeClr>
+          </a:lnRef>
+          <a:fillRef idx="1">
+            <a:schemeClr val="accent1"/>
+          </a:fillRef>
+          <a:effectRef idx="0">
+            <a:schemeClr val="accent1"/>
+          </a:effectRef>
+          <a:fontRef idx="minor">
+            <a:schemeClr val="lt1"/>
+          </a:fontRef>
+        </p:style>
+        <p:txBody>
+          <a:bodyPr rtlCol="0" anchor="ctr"/>
+          <a:lstStyle/>
+          <a:p>
+            <a:pPr algn="ctr"/>
+            <a:r>
+              <a:rPr lang="es-ES" dirty="0"/>
+              <a:t>DESCRIPTION</a:t>
+            </a:r>
+          </a:p>
+        </p:txBody>
+      </p:sp>
+      <p:cxnSp>
+        <p:nvCxnSpPr>
+          <p:cNvPr id="57" name="Conector: angular 56">
+            <a:extLst>
+              <a:ext uri="{FF2B5EF4-FFF2-40B4-BE49-F238E27FC236}">
+                <a16:creationId xmlns:a16="http://schemas.microsoft.com/office/drawing/2014/main" id="{1E95AF1B-2BCD-495C-834C-242346A7C0A9}"/>
+              </a:ext>
+            </a:extLst>
+          </p:cNvPr>
+          <p:cNvCxnSpPr>
+            <a:cxnSpLocks/>
+            <a:stCxn id="4" idx="1"/>
+            <a:endCxn id="25" idx="0"/>
+          </p:cNvCxnSpPr>
+          <p:nvPr/>
+        </p:nvCxnSpPr>
+        <p:spPr>
+          <a:xfrm rot="16200000" flipH="1" flipV="1">
+            <a:off x="2863914" y="560926"/>
+            <a:ext cx="3094150" cy="6204397"/>
+          </a:xfrm>
+          <a:prstGeom prst="bentConnector3">
+            <a:avLst>
+              <a:gd name="adj1" fmla="val -10170"/>
+            </a:avLst>
+          </a:prstGeom>
+          <a:ln>
+            <a:solidFill>
+              <a:schemeClr val="tx1"/>
+            </a:solidFill>
+            <a:headEnd type="triangle"/>
+            <a:tailEnd type="triangle"/>
+          </a:ln>
+        </p:spPr>
+        <p:style>
+          <a:lnRef idx="1">
+            <a:schemeClr val="accent1"/>
+          </a:lnRef>
+          <a:fillRef idx="0">
+            <a:schemeClr val="accent1"/>
+          </a:fillRef>
+          <a:effectRef idx="0">
+            <a:schemeClr val="accent1"/>
+          </a:effectRef>
+          <a:fontRef idx="minor">
+            <a:schemeClr val="tx1"/>
+          </a:fontRef>
+        </p:style>
+      </p:cxnSp>
+      <p:sp>
+        <p:nvSpPr>
+          <p:cNvPr id="58" name="CuadroTexto 57">
+            <a:extLst>
+              <a:ext uri="{FF2B5EF4-FFF2-40B4-BE49-F238E27FC236}">
+                <a16:creationId xmlns:a16="http://schemas.microsoft.com/office/drawing/2014/main" id="{795F6A01-3C60-494A-90AC-32D8BAF1D877}"/>
+              </a:ext>
+            </a:extLst>
+          </p:cNvPr>
+          <p:cNvSpPr txBox="1"/>
+          <p:nvPr/>
+        </p:nvSpPr>
+        <p:spPr>
+          <a:xfrm>
+            <a:off x="3873987" y="257582"/>
+            <a:ext cx="4147995" cy="461665"/>
+          </a:xfrm>
+          <a:prstGeom prst="rect">
+            <a:avLst/>
+          </a:prstGeom>
+          <a:noFill/>
+        </p:spPr>
+        <p:txBody>
+          <a:bodyPr wrap="none" rtlCol="0">
+            <a:spAutoFit/>
+          </a:bodyPr>
+          <a:lstStyle/>
+          <a:p>
+            <a:r>
+              <a:rPr lang="es-ES" sz="2400" b="1" dirty="0">
+                <a:latin typeface="Bodoni MT Black" panose="02070A03080606020203" pitchFamily="18" charset="0"/>
+              </a:rPr>
+              <a:t>MAPA DE NAVEGACION</a:t>
+            </a:r>
+          </a:p>
+        </p:txBody>
+      </p:sp>
     </p:spTree>
     <p:extLst>
       <p:ext uri="{BB962C8B-B14F-4D97-AF65-F5344CB8AC3E}">
@@ -4469,6 +4614,86 @@
 </file>
 
 <file path=ppt/slides/slide2.xml><?xml version="1.0" encoding="utf-8"?>
+<p:sld xmlns:a="http://schemas.openxmlformats.org/drawingml/2006/main" xmlns:r="http://schemas.openxmlformats.org/officeDocument/2006/relationships" xmlns:p="http://schemas.openxmlformats.org/presentationml/2006/main">
+  <p:cSld>
+    <p:spTree>
+      <p:nvGrpSpPr>
+        <p:cNvPr id="1" name=""/>
+        <p:cNvGrpSpPr/>
+        <p:nvPr/>
+      </p:nvGrpSpPr>
+      <p:grpSpPr>
+        <a:xfrm>
+          <a:off x="0" y="0"/>
+          <a:ext cx="0" cy="0"/>
+          <a:chOff x="0" y="0"/>
+          <a:chExt cx="0" cy="0"/>
+        </a:xfrm>
+      </p:grpSpPr>
+      <p:sp>
+        <p:nvSpPr>
+          <p:cNvPr id="2" name="Título 1">
+            <a:extLst>
+              <a:ext uri="{FF2B5EF4-FFF2-40B4-BE49-F238E27FC236}">
+                <a16:creationId xmlns:a16="http://schemas.microsoft.com/office/drawing/2014/main" id="{C43B8CA2-A408-487F-8D84-DCF31477C145}"/>
+              </a:ext>
+            </a:extLst>
+          </p:cNvPr>
+          <p:cNvSpPr>
+            <a:spLocks noGrp="1"/>
+          </p:cNvSpPr>
+          <p:nvPr>
+            <p:ph type="title"/>
+          </p:nvPr>
+        </p:nvSpPr>
+        <p:spPr/>
+        <p:txBody>
+          <a:bodyPr/>
+          <a:lstStyle/>
+          <a:p>
+            <a:endParaRPr lang="es-ES"/>
+          </a:p>
+        </p:txBody>
+      </p:sp>
+      <p:sp>
+        <p:nvSpPr>
+          <p:cNvPr id="3" name="Marcador de contenido 2">
+            <a:extLst>
+              <a:ext uri="{FF2B5EF4-FFF2-40B4-BE49-F238E27FC236}">
+                <a16:creationId xmlns:a16="http://schemas.microsoft.com/office/drawing/2014/main" id="{AF4F4BE6-9E41-4480-87E8-5C67798862E1}"/>
+              </a:ext>
+            </a:extLst>
+          </p:cNvPr>
+          <p:cNvSpPr>
+            <a:spLocks noGrp="1"/>
+          </p:cNvSpPr>
+          <p:nvPr>
+            <p:ph idx="1"/>
+          </p:nvPr>
+        </p:nvSpPr>
+        <p:spPr/>
+        <p:txBody>
+          <a:bodyPr/>
+          <a:lstStyle/>
+          <a:p>
+            <a:endParaRPr lang="es-ES"/>
+          </a:p>
+        </p:txBody>
+      </p:sp>
+    </p:spTree>
+    <p:extLst>
+      <p:ext uri="{BB962C8B-B14F-4D97-AF65-F5344CB8AC3E}">
+        <p14:creationId xmlns:p14="http://schemas.microsoft.com/office/powerpoint/2010/main" val="3727029633"/>
+      </p:ext>
+    </p:extLst>
+  </p:cSld>
+  <p:clrMapOvr>
+    <a:masterClrMapping/>
+  </p:clrMapOvr>
+</p:sld>
+</file>
+
+<file path=ppt/slides/slide3.xml><?xml version="1.0" encoding="utf-8"?>
 <p:sld xmlns:a="http://schemas.openxmlformats.org/drawingml/2006/main" xmlns:r="http://schemas.openxmlformats.org/officeDocument/2006/relationships" xmlns:p="http://schemas.openxmlformats.org/presentationml/2006/main">
   <p:cSld>
     <p:bg>
